--- a/구성도.pptx
+++ b/구성도.pptx
@@ -104,6 +104,11 @@
       </a:defRPr>
     </a:lvl9pPr>
   </p:defaultTextStyle>
+  <p:extLst>
+    <p:ext uri="{EFAFB233-063F-42B5-8137-9DF3F51BA10A}">
+      <p15:sldGuideLst xmlns:p15="http://schemas.microsoft.com/office/powerpoint/2012/main"/>
+    </p:ext>
+  </p:extLst>
 </p:presentation>
 </file>
 
@@ -3111,7 +3116,7 @@
         <p:spPr>
           <a:xfrm>
             <a:off x="4459045" y="3212941"/>
-            <a:ext cx="5238974" cy="1516828"/>
+            <a:ext cx="5238974" cy="1445111"/>
           </a:xfrm>
           <a:prstGeom prst="parallelogram">
             <a:avLst/>
@@ -3349,9 +3354,9 @@
           <p:nvPr/>
         </p:nvSpPr>
         <p:spPr>
-          <a:xfrm rot="10369321">
-            <a:off x="4973402" y="3822914"/>
-            <a:ext cx="848697" cy="1453985"/>
+          <a:xfrm rot="9518458">
+            <a:off x="5151628" y="3987580"/>
+            <a:ext cx="342950" cy="1528597"/>
           </a:xfrm>
           <a:custGeom>
             <a:avLst/>
@@ -3443,9 +3448,9 @@
           <p:nvPr/>
         </p:nvSpPr>
         <p:spPr>
-          <a:xfrm>
-            <a:off x="8745820" y="2795213"/>
-            <a:ext cx="424349" cy="1453985"/>
+          <a:xfrm rot="10519588">
+            <a:off x="5297095" y="2764582"/>
+            <a:ext cx="353061" cy="1470400"/>
           </a:xfrm>
           <a:custGeom>
             <a:avLst/>
@@ -3537,9 +3542,9 @@
           <p:nvPr/>
         </p:nvSpPr>
         <p:spPr>
-          <a:xfrm>
-            <a:off x="8820976" y="2539915"/>
-            <a:ext cx="424349" cy="1453985"/>
+          <a:xfrm rot="10519588">
+            <a:off x="5318046" y="2520551"/>
+            <a:ext cx="353061" cy="1470400"/>
           </a:xfrm>
           <a:custGeom>
             <a:avLst/>
@@ -3631,9 +3636,9 @@
           <p:nvPr/>
         </p:nvSpPr>
         <p:spPr>
-          <a:xfrm>
-            <a:off x="8896132" y="2324324"/>
-            <a:ext cx="424349" cy="1453985"/>
+          <a:xfrm rot="10519588">
+            <a:off x="5348517" y="2271334"/>
+            <a:ext cx="353061" cy="1470400"/>
           </a:xfrm>
           <a:custGeom>
             <a:avLst/>
@@ -3725,9 +3730,9 @@
           <p:nvPr/>
         </p:nvSpPr>
         <p:spPr>
-          <a:xfrm>
-            <a:off x="8928605" y="2137895"/>
-            <a:ext cx="424349" cy="1453985"/>
+          <a:xfrm rot="10519588">
+            <a:off x="5287573" y="2119602"/>
+            <a:ext cx="353061" cy="1470400"/>
           </a:xfrm>
           <a:custGeom>
             <a:avLst/>
@@ -4283,6 +4288,342 @@
               <a:t>아크릴판</a:t>
             </a:r>
             <a:endParaRPr lang="ko-KR" altLang="en-US" dirty="0"/>
+          </a:p>
+        </p:txBody>
+      </p:sp>
+      <p:sp>
+        <p:nvSpPr>
+          <p:cNvPr id="5" name="자유형 4"/>
+          <p:cNvSpPr/>
+          <p:nvPr/>
+        </p:nvSpPr>
+        <p:spPr>
+          <a:xfrm>
+            <a:off x="8240358" y="2807746"/>
+            <a:ext cx="992149" cy="2718390"/>
+          </a:xfrm>
+          <a:custGeom>
+            <a:avLst/>
+            <a:gdLst>
+              <a:gd name="connsiteX0" fmla="*/ 602428 w 992149"/>
+              <a:gd name="connsiteY0" fmla="*/ 0 h 2452743"/>
+              <a:gd name="connsiteX1" fmla="*/ 968188 w 992149"/>
+              <a:gd name="connsiteY1" fmla="*/ 1420009 h 2452743"/>
+              <a:gd name="connsiteX2" fmla="*/ 0 w 992149"/>
+              <a:gd name="connsiteY2" fmla="*/ 2452743 h 2452743"/>
+            </a:gdLst>
+            <a:ahLst/>
+            <a:cxnLst>
+              <a:cxn ang="0">
+                <a:pos x="connsiteX0" y="connsiteY0"/>
+              </a:cxn>
+              <a:cxn ang="0">
+                <a:pos x="connsiteX1" y="connsiteY1"/>
+              </a:cxn>
+              <a:cxn ang="0">
+                <a:pos x="connsiteX2" y="connsiteY2"/>
+              </a:cxn>
+            </a:cxnLst>
+            <a:rect l="l" t="t" r="r" b="b"/>
+            <a:pathLst>
+              <a:path w="992149" h="2452743">
+                <a:moveTo>
+                  <a:pt x="602428" y="0"/>
+                </a:moveTo>
+                <a:cubicBezTo>
+                  <a:pt x="835510" y="505609"/>
+                  <a:pt x="1068593" y="1011219"/>
+                  <a:pt x="968188" y="1420009"/>
+                </a:cubicBezTo>
+                <a:cubicBezTo>
+                  <a:pt x="867783" y="1828800"/>
+                  <a:pt x="433891" y="2140771"/>
+                  <a:pt x="0" y="2452743"/>
+                </a:cubicBezTo>
+              </a:path>
+            </a:pathLst>
+          </a:custGeom>
+          <a:noFill/>
+          <a:ln w="28575">
+            <a:solidFill>
+              <a:schemeClr val="tx1"/>
+            </a:solidFill>
+          </a:ln>
+        </p:spPr>
+        <p:style>
+          <a:lnRef idx="2">
+            <a:schemeClr val="accent1">
+              <a:shade val="50000"/>
+            </a:schemeClr>
+          </a:lnRef>
+          <a:fillRef idx="1">
+            <a:schemeClr val="accent1"/>
+          </a:fillRef>
+          <a:effectRef idx="0">
+            <a:schemeClr val="accent1"/>
+          </a:effectRef>
+          <a:fontRef idx="minor">
+            <a:schemeClr val="lt1"/>
+          </a:fontRef>
+        </p:style>
+        <p:txBody>
+          <a:bodyPr rtlCol="0" anchor="ctr"/>
+          <a:lstStyle/>
+          <a:p>
+            <a:pPr algn="ctr"/>
+            <a:endParaRPr lang="ko-KR" altLang="en-US"/>
+          </a:p>
+        </p:txBody>
+      </p:sp>
+      <p:sp>
+        <p:nvSpPr>
+          <p:cNvPr id="37" name="자유형 36"/>
+          <p:cNvSpPr/>
+          <p:nvPr/>
+        </p:nvSpPr>
+        <p:spPr>
+          <a:xfrm>
+            <a:off x="8343964" y="2527301"/>
+            <a:ext cx="992149" cy="2718390"/>
+          </a:xfrm>
+          <a:custGeom>
+            <a:avLst/>
+            <a:gdLst>
+              <a:gd name="connsiteX0" fmla="*/ 602428 w 992149"/>
+              <a:gd name="connsiteY0" fmla="*/ 0 h 2452743"/>
+              <a:gd name="connsiteX1" fmla="*/ 968188 w 992149"/>
+              <a:gd name="connsiteY1" fmla="*/ 1420009 h 2452743"/>
+              <a:gd name="connsiteX2" fmla="*/ 0 w 992149"/>
+              <a:gd name="connsiteY2" fmla="*/ 2452743 h 2452743"/>
+            </a:gdLst>
+            <a:ahLst/>
+            <a:cxnLst>
+              <a:cxn ang="0">
+                <a:pos x="connsiteX0" y="connsiteY0"/>
+              </a:cxn>
+              <a:cxn ang="0">
+                <a:pos x="connsiteX1" y="connsiteY1"/>
+              </a:cxn>
+              <a:cxn ang="0">
+                <a:pos x="connsiteX2" y="connsiteY2"/>
+              </a:cxn>
+            </a:cxnLst>
+            <a:rect l="l" t="t" r="r" b="b"/>
+            <a:pathLst>
+              <a:path w="992149" h="2452743">
+                <a:moveTo>
+                  <a:pt x="602428" y="0"/>
+                </a:moveTo>
+                <a:cubicBezTo>
+                  <a:pt x="835510" y="505609"/>
+                  <a:pt x="1068593" y="1011219"/>
+                  <a:pt x="968188" y="1420009"/>
+                </a:cubicBezTo>
+                <a:cubicBezTo>
+                  <a:pt x="867783" y="1828800"/>
+                  <a:pt x="433891" y="2140771"/>
+                  <a:pt x="0" y="2452743"/>
+                </a:cubicBezTo>
+              </a:path>
+            </a:pathLst>
+          </a:custGeom>
+          <a:noFill/>
+          <a:ln w="28575">
+            <a:solidFill>
+              <a:schemeClr val="tx1"/>
+            </a:solidFill>
+          </a:ln>
+        </p:spPr>
+        <p:style>
+          <a:lnRef idx="2">
+            <a:schemeClr val="accent1">
+              <a:shade val="50000"/>
+            </a:schemeClr>
+          </a:lnRef>
+          <a:fillRef idx="1">
+            <a:schemeClr val="accent1"/>
+          </a:fillRef>
+          <a:effectRef idx="0">
+            <a:schemeClr val="accent1"/>
+          </a:effectRef>
+          <a:fontRef idx="minor">
+            <a:schemeClr val="lt1"/>
+          </a:fontRef>
+        </p:style>
+        <p:txBody>
+          <a:bodyPr rtlCol="0" anchor="ctr"/>
+          <a:lstStyle/>
+          <a:p>
+            <a:pPr algn="ctr"/>
+            <a:endParaRPr lang="ko-KR" altLang="en-US"/>
+          </a:p>
+        </p:txBody>
+      </p:sp>
+      <p:sp>
+        <p:nvSpPr>
+          <p:cNvPr id="38" name="자유형 37"/>
+          <p:cNvSpPr/>
+          <p:nvPr/>
+        </p:nvSpPr>
+        <p:spPr>
+          <a:xfrm>
+            <a:off x="8343964" y="2309265"/>
+            <a:ext cx="992149" cy="2718390"/>
+          </a:xfrm>
+          <a:custGeom>
+            <a:avLst/>
+            <a:gdLst>
+              <a:gd name="connsiteX0" fmla="*/ 602428 w 992149"/>
+              <a:gd name="connsiteY0" fmla="*/ 0 h 2452743"/>
+              <a:gd name="connsiteX1" fmla="*/ 968188 w 992149"/>
+              <a:gd name="connsiteY1" fmla="*/ 1420009 h 2452743"/>
+              <a:gd name="connsiteX2" fmla="*/ 0 w 992149"/>
+              <a:gd name="connsiteY2" fmla="*/ 2452743 h 2452743"/>
+            </a:gdLst>
+            <a:ahLst/>
+            <a:cxnLst>
+              <a:cxn ang="0">
+                <a:pos x="connsiteX0" y="connsiteY0"/>
+              </a:cxn>
+              <a:cxn ang="0">
+                <a:pos x="connsiteX1" y="connsiteY1"/>
+              </a:cxn>
+              <a:cxn ang="0">
+                <a:pos x="connsiteX2" y="connsiteY2"/>
+              </a:cxn>
+            </a:cxnLst>
+            <a:rect l="l" t="t" r="r" b="b"/>
+            <a:pathLst>
+              <a:path w="992149" h="2452743">
+                <a:moveTo>
+                  <a:pt x="602428" y="0"/>
+                </a:moveTo>
+                <a:cubicBezTo>
+                  <a:pt x="835510" y="505609"/>
+                  <a:pt x="1068593" y="1011219"/>
+                  <a:pt x="968188" y="1420009"/>
+                </a:cubicBezTo>
+                <a:cubicBezTo>
+                  <a:pt x="867783" y="1828800"/>
+                  <a:pt x="433891" y="2140771"/>
+                  <a:pt x="0" y="2452743"/>
+                </a:cubicBezTo>
+              </a:path>
+            </a:pathLst>
+          </a:custGeom>
+          <a:noFill/>
+          <a:ln w="28575">
+            <a:solidFill>
+              <a:schemeClr val="tx1"/>
+            </a:solidFill>
+          </a:ln>
+        </p:spPr>
+        <p:style>
+          <a:lnRef idx="2">
+            <a:schemeClr val="accent1">
+              <a:shade val="50000"/>
+            </a:schemeClr>
+          </a:lnRef>
+          <a:fillRef idx="1">
+            <a:schemeClr val="accent1"/>
+          </a:fillRef>
+          <a:effectRef idx="0">
+            <a:schemeClr val="accent1"/>
+          </a:effectRef>
+          <a:fontRef idx="minor">
+            <a:schemeClr val="lt1"/>
+          </a:fontRef>
+        </p:style>
+        <p:txBody>
+          <a:bodyPr rtlCol="0" anchor="ctr"/>
+          <a:lstStyle/>
+          <a:p>
+            <a:pPr algn="ctr"/>
+            <a:endParaRPr lang="ko-KR" altLang="en-US"/>
+          </a:p>
+        </p:txBody>
+      </p:sp>
+      <p:sp>
+        <p:nvSpPr>
+          <p:cNvPr id="39" name="자유형 38"/>
+          <p:cNvSpPr/>
+          <p:nvPr/>
+        </p:nvSpPr>
+        <p:spPr>
+          <a:xfrm>
+            <a:off x="8326466" y="2058815"/>
+            <a:ext cx="992149" cy="2718390"/>
+          </a:xfrm>
+          <a:custGeom>
+            <a:avLst/>
+            <a:gdLst>
+              <a:gd name="connsiteX0" fmla="*/ 602428 w 992149"/>
+              <a:gd name="connsiteY0" fmla="*/ 0 h 2452743"/>
+              <a:gd name="connsiteX1" fmla="*/ 968188 w 992149"/>
+              <a:gd name="connsiteY1" fmla="*/ 1420009 h 2452743"/>
+              <a:gd name="connsiteX2" fmla="*/ 0 w 992149"/>
+              <a:gd name="connsiteY2" fmla="*/ 2452743 h 2452743"/>
+            </a:gdLst>
+            <a:ahLst/>
+            <a:cxnLst>
+              <a:cxn ang="0">
+                <a:pos x="connsiteX0" y="connsiteY0"/>
+              </a:cxn>
+              <a:cxn ang="0">
+                <a:pos x="connsiteX1" y="connsiteY1"/>
+              </a:cxn>
+              <a:cxn ang="0">
+                <a:pos x="connsiteX2" y="connsiteY2"/>
+              </a:cxn>
+            </a:cxnLst>
+            <a:rect l="l" t="t" r="r" b="b"/>
+            <a:pathLst>
+              <a:path w="992149" h="2452743">
+                <a:moveTo>
+                  <a:pt x="602428" y="0"/>
+                </a:moveTo>
+                <a:cubicBezTo>
+                  <a:pt x="835510" y="505609"/>
+                  <a:pt x="1068593" y="1011219"/>
+                  <a:pt x="968188" y="1420009"/>
+                </a:cubicBezTo>
+                <a:cubicBezTo>
+                  <a:pt x="867783" y="1828800"/>
+                  <a:pt x="433891" y="2140771"/>
+                  <a:pt x="0" y="2452743"/>
+                </a:cubicBezTo>
+              </a:path>
+            </a:pathLst>
+          </a:custGeom>
+          <a:noFill/>
+          <a:ln w="28575">
+            <a:solidFill>
+              <a:schemeClr val="tx1"/>
+            </a:solidFill>
+          </a:ln>
+        </p:spPr>
+        <p:style>
+          <a:lnRef idx="2">
+            <a:schemeClr val="accent1">
+              <a:shade val="50000"/>
+            </a:schemeClr>
+          </a:lnRef>
+          <a:fillRef idx="1">
+            <a:schemeClr val="accent1"/>
+          </a:fillRef>
+          <a:effectRef idx="0">
+            <a:schemeClr val="accent1"/>
+          </a:effectRef>
+          <a:fontRef idx="minor">
+            <a:schemeClr val="lt1"/>
+          </a:fontRef>
+        </p:style>
+        <p:txBody>
+          <a:bodyPr rtlCol="0" anchor="ctr"/>
+          <a:lstStyle/>
+          <a:p>
+            <a:pPr algn="ctr"/>
+            <a:endParaRPr lang="ko-KR" altLang="en-US"/>
           </a:p>
         </p:txBody>
       </p:sp>
